--- a/presentation/UH_seminar.pptx
+++ b/presentation/UH_seminar.pptx
@@ -204,7 +204,7 @@
           <a:p>
             <a:fld id="{6C062D5C-E428-DA43-AA54-C279CF805B17}" type="datetimeFigureOut">
               <a:rPr lang="en-US" smtClean="0"/>
-              <a:t>5/5/23</a:t>
+              <a:t>5/6/23</a:t>
             </a:fld>
             <a:endParaRPr lang="en-US"/>
           </a:p>
@@ -704,7 +704,7 @@
             <a:fld id="{3F9AFA87-1417-4992-ABD9-27C3BC8CC883}" type="datetimeFigureOut">
               <a:rPr lang="en-US" smtClean="0"/>
               <a:pPr algn="r"/>
-              <a:t>5/5/23</a:t>
+              <a:t>5/6/23</a:t>
             </a:fld>
             <a:endParaRPr lang="en-US" dirty="0"/>
           </a:p>
@@ -903,7 +903,7 @@
           <a:p>
             <a:fld id="{3F9AFA87-1417-4992-ABD9-27C3BC8CC883}" type="datetimeFigureOut">
               <a:rPr lang="en-US" smtClean="0"/>
-              <a:t>5/5/23</a:t>
+              <a:t>5/6/23</a:t>
             </a:fld>
             <a:endParaRPr lang="en-US"/>
           </a:p>
@@ -1111,7 +1111,7 @@
           <a:p>
             <a:fld id="{3F9AFA87-1417-4992-ABD9-27C3BC8CC883}" type="datetimeFigureOut">
               <a:rPr lang="en-US" smtClean="0"/>
-              <a:t>5/5/23</a:t>
+              <a:t>5/6/23</a:t>
             </a:fld>
             <a:endParaRPr lang="en-US"/>
           </a:p>
@@ -1309,7 +1309,7 @@
           <a:p>
             <a:fld id="{3F9AFA87-1417-4992-ABD9-27C3BC8CC883}" type="datetimeFigureOut">
               <a:rPr lang="en-US" smtClean="0"/>
-              <a:t>5/5/23</a:t>
+              <a:t>5/6/23</a:t>
             </a:fld>
             <a:endParaRPr lang="en-US"/>
           </a:p>
@@ -1584,7 +1584,7 @@
           <a:p>
             <a:fld id="{3F9AFA87-1417-4992-ABD9-27C3BC8CC883}" type="datetimeFigureOut">
               <a:rPr lang="en-US" smtClean="0"/>
-              <a:t>5/5/23</a:t>
+              <a:t>5/6/23</a:t>
             </a:fld>
             <a:endParaRPr lang="en-US"/>
           </a:p>
@@ -1849,7 +1849,7 @@
           <a:p>
             <a:fld id="{3F9AFA87-1417-4992-ABD9-27C3BC8CC883}" type="datetimeFigureOut">
               <a:rPr lang="en-US" smtClean="0"/>
-              <a:t>5/5/23</a:t>
+              <a:t>5/6/23</a:t>
             </a:fld>
             <a:endParaRPr lang="en-US" dirty="0"/>
           </a:p>
@@ -2263,7 +2263,7 @@
             <a:fld id="{3F9AFA87-1417-4992-ABD9-27C3BC8CC883}" type="datetimeFigureOut">
               <a:rPr lang="en-US" smtClean="0"/>
               <a:pPr algn="r"/>
-              <a:t>5/5/23</a:t>
+              <a:t>5/6/23</a:t>
             </a:fld>
             <a:endParaRPr lang="en-US" dirty="0"/>
           </a:p>
@@ -2405,7 +2405,7 @@
           <a:p>
             <a:fld id="{3F9AFA87-1417-4992-ABD9-27C3BC8CC883}" type="datetimeFigureOut">
               <a:rPr lang="en-US" smtClean="0"/>
-              <a:t>5/5/23</a:t>
+              <a:t>5/6/23</a:t>
             </a:fld>
             <a:endParaRPr lang="en-US"/>
           </a:p>
@@ -2518,7 +2518,7 @@
           <a:p>
             <a:fld id="{3F9AFA87-1417-4992-ABD9-27C3BC8CC883}" type="datetimeFigureOut">
               <a:rPr lang="en-US" smtClean="0"/>
-              <a:t>5/5/23</a:t>
+              <a:t>5/6/23</a:t>
             </a:fld>
             <a:endParaRPr lang="en-US"/>
           </a:p>
@@ -2829,7 +2829,7 @@
           <a:p>
             <a:fld id="{3F9AFA87-1417-4992-ABD9-27C3BC8CC883}" type="datetimeFigureOut">
               <a:rPr lang="en-US" smtClean="0"/>
-              <a:t>5/5/23</a:t>
+              <a:t>5/6/23</a:t>
             </a:fld>
             <a:endParaRPr lang="en-US"/>
           </a:p>
@@ -3117,7 +3117,7 @@
           <a:p>
             <a:fld id="{3F9AFA87-1417-4992-ABD9-27C3BC8CC883}" type="datetimeFigureOut">
               <a:rPr lang="en-US" smtClean="0"/>
-              <a:t>5/5/23</a:t>
+              <a:t>5/6/23</a:t>
             </a:fld>
             <a:endParaRPr lang="en-US"/>
           </a:p>
@@ -3360,7 +3360,7 @@
             <a:fld id="{3F9AFA87-1417-4992-ABD9-27C3BC8CC883}" type="datetimeFigureOut">
               <a:rPr lang="en-US" smtClean="0"/>
               <a:pPr algn="r"/>
-              <a:t>5/5/23</a:t>
+              <a:t>5/6/23</a:t>
             </a:fld>
             <a:endParaRPr lang="en-US" dirty="0"/>
           </a:p>
@@ -3816,9 +3816,10 @@
           <a:p>
             <a:pPr algn="l"/>
             <a:r>
-              <a:rPr lang="en-US" sz="3000" b="1" dirty="0"/>
-              <a:t>A bird of different feather</a:t>
-            </a:r>
+              <a:rPr lang="en-US" sz="3000" b="1"/>
+              <a:t>Where am I?</a:t>
+            </a:r>
+            <a:endParaRPr lang="en-US" sz="3000" b="1" dirty="0"/>
           </a:p>
         </p:txBody>
       </p:sp>
@@ -3990,17 +3991,6 @@
             <a:r>
               <a:rPr lang="en-US" dirty="0"/>
               <a:t> Moon</a:t>
-            </a:r>
-          </a:p>
-          <a:p>
-            <a:pPr lvl="1">
-              <a:lnSpc>
-                <a:spcPct val="200000"/>
-              </a:lnSpc>
-            </a:pPr>
-            <a:r>
-              <a:rPr lang="en-US" dirty="0"/>
-              <a:t>Graduated in last year</a:t>
             </a:r>
           </a:p>
           <a:p>
@@ -4172,55 +4162,6 @@
                                           <p:spTgt spid="3">
                                             <p:txEl>
                                               <p:pRg st="2" end="2"/>
-                                            </p:txEl>
-                                          </p:spTgt>
-                                        </p:tgtEl>
-                                        <p:attrNameLst>
-                                          <p:attrName>style.visibility</p:attrName>
-                                        </p:attrNameLst>
-                                      </p:cBhvr>
-                                      <p:to>
-                                        <p:strVal val="visible"/>
-                                      </p:to>
-                                    </p:set>
-                                  </p:childTnLst>
-                                </p:cTn>
-                              </p:par>
-                            </p:childTnLst>
-                          </p:cTn>
-                        </p:par>
-                      </p:childTnLst>
-                    </p:cTn>
-                  </p:par>
-                  <p:par>
-                    <p:cTn id="15" fill="hold">
-                      <p:stCondLst>
-                        <p:cond delay="indefinite"/>
-                      </p:stCondLst>
-                      <p:childTnLst>
-                        <p:par>
-                          <p:cTn id="16" fill="hold">
-                            <p:stCondLst>
-                              <p:cond delay="0"/>
-                            </p:stCondLst>
-                            <p:childTnLst>
-                              <p:par>
-                                <p:cTn id="17" presetID="1" presetClass="entr" presetSubtype="0" fill="hold" nodeType="clickEffect">
-                                  <p:stCondLst>
-                                    <p:cond delay="0"/>
-                                  </p:stCondLst>
-                                  <p:childTnLst>
-                                    <p:set>
-                                      <p:cBhvr>
-                                        <p:cTn id="18" dur="1" fill="hold">
-                                          <p:stCondLst>
-                                            <p:cond delay="0"/>
-                                          </p:stCondLst>
-                                        </p:cTn>
-                                        <p:tgtEl>
-                                          <p:spTgt spid="3">
-                                            <p:txEl>
-                                              <p:pRg st="3" end="3"/>
                                             </p:txEl>
                                           </p:spTgt>
                                         </p:tgtEl>
